--- a/Project/Project_Presentation_Sarah_Kundu.pptx
+++ b/Project/Project_Presentation_Sarah_Kundu.pptx
@@ -7,11 +7,13 @@
   <p:sldIdLst>
     <p:sldId id="256" r:id="rId2"/>
     <p:sldId id="265" r:id="rId3"/>
-    <p:sldId id="259" r:id="rId4"/>
-    <p:sldId id="260" r:id="rId5"/>
-    <p:sldId id="261" r:id="rId6"/>
-    <p:sldId id="263" r:id="rId7"/>
-    <p:sldId id="264" r:id="rId8"/>
+    <p:sldId id="260" r:id="rId4"/>
+    <p:sldId id="261" r:id="rId5"/>
+    <p:sldId id="266" r:id="rId6"/>
+    <p:sldId id="267" r:id="rId7"/>
+    <p:sldId id="268" r:id="rId8"/>
+    <p:sldId id="263" r:id="rId9"/>
+    <p:sldId id="264" r:id="rId10"/>
   </p:sldIdLst>
   <p:sldSz cx="9144000" cy="6858000" type="screen4x3"/>
   <p:notesSz cx="6858000" cy="9144000"/>
@@ -317,7 +319,7 @@
           <a:p>
             <a:fld id="{5BCAD085-E8A6-8845-BD4E-CB4CCA059FC4}" type="datetimeFigureOut">
               <a:rPr lang="en-US" smtClean="0"/>
-              <a:t>11/30/2025</a:t>
+              <a:t>12/3/2025</a:t>
             </a:fld>
             <a:endParaRPr lang="en-US"/>
           </a:p>
@@ -649,7 +651,7 @@
           <a:p>
             <a:fld id="{5BCAD085-E8A6-8845-BD4E-CB4CCA059FC4}" type="datetimeFigureOut">
               <a:rPr lang="en-US" smtClean="0"/>
-              <a:t>11/30/2025</a:t>
+              <a:t>12/3/2025</a:t>
             </a:fld>
             <a:endParaRPr lang="en-US"/>
           </a:p>
@@ -1048,7 +1050,7 @@
           <a:p>
             <a:fld id="{5BCAD085-E8A6-8845-BD4E-CB4CCA059FC4}" type="datetimeFigureOut">
               <a:rPr lang="en-US" smtClean="0"/>
-              <a:t>11/30/2025</a:t>
+              <a:t>12/3/2025</a:t>
             </a:fld>
             <a:endParaRPr lang="en-US"/>
           </a:p>
@@ -1382,7 +1384,7 @@
           <a:p>
             <a:fld id="{5BCAD085-E8A6-8845-BD4E-CB4CCA059FC4}" type="datetimeFigureOut">
               <a:rPr lang="en-US" smtClean="0"/>
-              <a:t>11/30/2025</a:t>
+              <a:t>12/3/2025</a:t>
             </a:fld>
             <a:endParaRPr lang="en-US"/>
           </a:p>
@@ -1700,7 +1702,7 @@
           <a:p>
             <a:fld id="{5BCAD085-E8A6-8845-BD4E-CB4CCA059FC4}" type="datetimeFigureOut">
               <a:rPr lang="en-US" smtClean="0"/>
-              <a:t>11/30/2025</a:t>
+              <a:t>12/3/2025</a:t>
             </a:fld>
             <a:endParaRPr lang="en-US"/>
           </a:p>
@@ -2094,7 +2096,7 @@
           <a:p>
             <a:fld id="{5BCAD085-E8A6-8845-BD4E-CB4CCA059FC4}" type="datetimeFigureOut">
               <a:rPr lang="en-US" smtClean="0"/>
-              <a:t>11/30/2025</a:t>
+              <a:t>12/3/2025</a:t>
             </a:fld>
             <a:endParaRPr lang="en-US"/>
           </a:p>
@@ -2349,7 +2351,7 @@
           <a:p>
             <a:fld id="{5BCAD085-E8A6-8845-BD4E-CB4CCA059FC4}" type="datetimeFigureOut">
               <a:rPr lang="en-US" smtClean="0"/>
-              <a:t>11/30/2025</a:t>
+              <a:t>12/3/2025</a:t>
             </a:fld>
             <a:endParaRPr lang="en-US"/>
           </a:p>
@@ -2609,7 +2611,7 @@
           <a:p>
             <a:fld id="{5BCAD085-E8A6-8845-BD4E-CB4CCA059FC4}" type="datetimeFigureOut">
               <a:rPr lang="en-US" smtClean="0"/>
-              <a:t>11/30/2025</a:t>
+              <a:t>12/3/2025</a:t>
             </a:fld>
             <a:endParaRPr lang="en-US"/>
           </a:p>
@@ -2869,7 +2871,7 @@
           <a:p>
             <a:fld id="{5BCAD085-E8A6-8845-BD4E-CB4CCA059FC4}" type="datetimeFigureOut">
               <a:rPr lang="en-US" smtClean="0"/>
-              <a:t>11/30/2025</a:t>
+              <a:t>12/3/2025</a:t>
             </a:fld>
             <a:endParaRPr lang="en-US"/>
           </a:p>
@@ -3196,7 +3198,7 @@
           <a:p>
             <a:fld id="{5BCAD085-E8A6-8845-BD4E-CB4CCA059FC4}" type="datetimeFigureOut">
               <a:rPr lang="en-US" smtClean="0"/>
-              <a:t>11/30/2025</a:t>
+              <a:t>12/3/2025</a:t>
             </a:fld>
             <a:endParaRPr lang="en-US"/>
           </a:p>
@@ -3517,7 +3519,7 @@
           <a:p>
             <a:fld id="{5BCAD085-E8A6-8845-BD4E-CB4CCA059FC4}" type="datetimeFigureOut">
               <a:rPr lang="en-US" smtClean="0"/>
-              <a:t>11/30/2025</a:t>
+              <a:t>12/3/2025</a:t>
             </a:fld>
             <a:endParaRPr lang="en-US"/>
           </a:p>
@@ -3972,7 +3974,7 @@
           <a:p>
             <a:fld id="{5BCAD085-E8A6-8845-BD4E-CB4CCA059FC4}" type="datetimeFigureOut">
               <a:rPr lang="en-US" smtClean="0"/>
-              <a:t>11/30/2025</a:t>
+              <a:t>12/3/2025</a:t>
             </a:fld>
             <a:endParaRPr lang="en-US"/>
           </a:p>
@@ -4180,7 +4182,7 @@
           <a:p>
             <a:fld id="{5BCAD085-E8A6-8845-BD4E-CB4CCA059FC4}" type="datetimeFigureOut">
               <a:rPr lang="en-US" smtClean="0"/>
-              <a:t>11/30/2025</a:t>
+              <a:t>12/3/2025</a:t>
             </a:fld>
             <a:endParaRPr lang="en-US"/>
           </a:p>
@@ -4355,7 +4357,7 @@
           <a:p>
             <a:fld id="{5BCAD085-E8A6-8845-BD4E-CB4CCA059FC4}" type="datetimeFigureOut">
               <a:rPr lang="en-US" smtClean="0"/>
-              <a:t>11/30/2025</a:t>
+              <a:t>12/3/2025</a:t>
             </a:fld>
             <a:endParaRPr lang="en-US"/>
           </a:p>
@@ -4686,7 +4688,7 @@
           <a:p>
             <a:fld id="{5BCAD085-E8A6-8845-BD4E-CB4CCA059FC4}" type="datetimeFigureOut">
               <a:rPr lang="en-US" smtClean="0"/>
-              <a:t>11/30/2025</a:t>
+              <a:t>12/3/2025</a:t>
             </a:fld>
             <a:endParaRPr lang="en-US"/>
           </a:p>
@@ -5029,7 +5031,7 @@
           <a:p>
             <a:fld id="{5BCAD085-E8A6-8845-BD4E-CB4CCA059FC4}" type="datetimeFigureOut">
               <a:rPr lang="en-US" smtClean="0"/>
-              <a:t>11/30/2025</a:t>
+              <a:t>12/3/2025</a:t>
             </a:fld>
             <a:endParaRPr lang="en-US"/>
           </a:p>
@@ -7144,7 +7146,7 @@
           <a:p>
             <a:fld id="{5BCAD085-E8A6-8845-BD4E-CB4CCA059FC4}" type="datetimeFigureOut">
               <a:rPr lang="en-US" smtClean="0"/>
-              <a:t>11/30/2025</a:t>
+              <a:t>12/3/2025</a:t>
             </a:fld>
             <a:endParaRPr lang="en-US"/>
           </a:p>
@@ -7848,6 +7850,138 @@
   <p:clrMapOvr>
     <a:masterClrMapping/>
   </p:clrMapOvr>
+  <p:timing>
+    <p:tnLst>
+      <p:par>
+        <p:cTn id="1" dur="indefinite" restart="never" nodeType="tmRoot">
+          <p:childTnLst>
+            <p:seq concurrent="1" nextAc="seek">
+              <p:cTn id="2" dur="indefinite" nodeType="mainSeq">
+                <p:childTnLst>
+                  <p:par>
+                    <p:cTn id="3" fill="hold">
+                      <p:stCondLst>
+                        <p:cond delay="indefinite"/>
+                      </p:stCondLst>
+                      <p:childTnLst>
+                        <p:par>
+                          <p:cTn id="4" fill="hold">
+                            <p:stCondLst>
+                              <p:cond delay="0"/>
+                            </p:stCondLst>
+                            <p:childTnLst>
+                              <p:par>
+                                <p:cTn id="5" presetID="42" presetClass="entr" presetSubtype="0" fill="hold" grpId="0" nodeType="clickEffect">
+                                  <p:stCondLst>
+                                    <p:cond delay="0"/>
+                                  </p:stCondLst>
+                                  <p:childTnLst>
+                                    <p:set>
+                                      <p:cBhvr>
+                                        <p:cTn id="6" dur="1" fill="hold">
+                                          <p:stCondLst>
+                                            <p:cond delay="0"/>
+                                          </p:stCondLst>
+                                        </p:cTn>
+                                        <p:tgtEl>
+                                          <p:spTgt spid="2"/>
+                                        </p:tgtEl>
+                                        <p:attrNameLst>
+                                          <p:attrName>style.visibility</p:attrName>
+                                        </p:attrNameLst>
+                                      </p:cBhvr>
+                                      <p:to>
+                                        <p:strVal val="visible"/>
+                                      </p:to>
+                                    </p:set>
+                                    <p:animEffect transition="in" filter="fade">
+                                      <p:cBhvr>
+                                        <p:cTn id="7" dur="1000"/>
+                                        <p:tgtEl>
+                                          <p:spTgt spid="2"/>
+                                        </p:tgtEl>
+                                      </p:cBhvr>
+                                    </p:animEffect>
+                                    <p:anim calcmode="lin" valueType="num">
+                                      <p:cBhvr>
+                                        <p:cTn id="8" dur="1000" fill="hold"/>
+                                        <p:tgtEl>
+                                          <p:spTgt spid="2"/>
+                                        </p:tgtEl>
+                                        <p:attrNameLst>
+                                          <p:attrName>ppt_x</p:attrName>
+                                        </p:attrNameLst>
+                                      </p:cBhvr>
+                                      <p:tavLst>
+                                        <p:tav tm="0">
+                                          <p:val>
+                                            <p:strVal val="#ppt_x"/>
+                                          </p:val>
+                                        </p:tav>
+                                        <p:tav tm="100000">
+                                          <p:val>
+                                            <p:strVal val="#ppt_x"/>
+                                          </p:val>
+                                        </p:tav>
+                                      </p:tavLst>
+                                    </p:anim>
+                                    <p:anim calcmode="lin" valueType="num">
+                                      <p:cBhvr>
+                                        <p:cTn id="9" dur="1000" fill="hold"/>
+                                        <p:tgtEl>
+                                          <p:spTgt spid="2"/>
+                                        </p:tgtEl>
+                                        <p:attrNameLst>
+                                          <p:attrName>ppt_y</p:attrName>
+                                        </p:attrNameLst>
+                                      </p:cBhvr>
+                                      <p:tavLst>
+                                        <p:tav tm="0">
+                                          <p:val>
+                                            <p:strVal val="#ppt_y+.1"/>
+                                          </p:val>
+                                        </p:tav>
+                                        <p:tav tm="100000">
+                                          <p:val>
+                                            <p:strVal val="#ppt_y"/>
+                                          </p:val>
+                                        </p:tav>
+                                      </p:tavLst>
+                                    </p:anim>
+                                  </p:childTnLst>
+                                </p:cTn>
+                              </p:par>
+                            </p:childTnLst>
+                          </p:cTn>
+                        </p:par>
+                      </p:childTnLst>
+                    </p:cTn>
+                  </p:par>
+                </p:childTnLst>
+              </p:cTn>
+              <p:prevCondLst>
+                <p:cond evt="onPrev" delay="0">
+                  <p:tgtEl>
+                    <p:sldTgt/>
+                  </p:tgtEl>
+                </p:cond>
+              </p:prevCondLst>
+              <p:nextCondLst>
+                <p:cond evt="onNext" delay="0">
+                  <p:tgtEl>
+                    <p:sldTgt/>
+                  </p:tgtEl>
+                </p:cond>
+              </p:nextCondLst>
+            </p:seq>
+          </p:childTnLst>
+        </p:cTn>
+      </p:par>
+    </p:tnLst>
+    <p:bldLst>
+      <p:bldP spid="2" grpId="0"/>
+    </p:bldLst>
+  </p:timing>
 </p:sld>
 </file>
 
@@ -7891,14 +8025,18 @@
           <a:p>
             <a:r>
               <a:rPr lang="en-US" dirty="0">
-                <a:latin typeface="Bahnschrift" panose="020B0502040204020203" pitchFamily="34" charset="0"/>
+                <a:latin typeface="Elephant" panose="02020904090505020303" pitchFamily="18" charset="0"/>
               </a:rPr>
               <a:t>INTRODUCTION</a:t>
             </a:r>
             <a:br>
-              <a:rPr lang="en-US" dirty="0"/>
+              <a:rPr lang="en-US" dirty="0">
+                <a:latin typeface="Elephant" panose="02020904090505020303" pitchFamily="18" charset="0"/>
+              </a:rPr>
             </a:br>
-            <a:endParaRPr lang="en-IN" dirty="0"/>
+            <a:endParaRPr lang="en-IN" dirty="0">
+              <a:latin typeface="Elephant" panose="02020904090505020303" pitchFamily="18" charset="0"/>
+            </a:endParaRPr>
           </a:p>
         </p:txBody>
       </p:sp>
@@ -7929,32 +8067,44 @@
           <a:lstStyle/>
           <a:p>
             <a:r>
-              <a:rPr lang="en-US" dirty="0"/>
+              <a:rPr lang="en-US" dirty="0">
+                <a:latin typeface="Elephant" panose="02020904090505020303" pitchFamily="18" charset="0"/>
+              </a:rPr>
               <a:t>This project stimulates a simple railway booking system</a:t>
             </a:r>
             <a:r>
-              <a:rPr lang="en-IN" dirty="0"/>
+              <a:rPr lang="en-IN" dirty="0">
+                <a:latin typeface="Elephant" panose="02020904090505020303" pitchFamily="18" charset="0"/>
+              </a:rPr>
               <a:t>.</a:t>
             </a:r>
           </a:p>
           <a:p>
             <a:r>
-              <a:rPr lang="en-IN" dirty="0"/>
+              <a:rPr lang="en-IN" dirty="0">
+                <a:latin typeface="Elephant" panose="02020904090505020303" pitchFamily="18" charset="0"/>
+              </a:rPr>
               <a:t>Implemented using C programming language.</a:t>
             </a:r>
           </a:p>
           <a:p>
             <a:r>
-              <a:rPr lang="en-IN" dirty="0"/>
+              <a:rPr lang="en-IN" dirty="0">
+                <a:latin typeface="Elephant" panose="02020904090505020303" pitchFamily="18" charset="0"/>
+              </a:rPr>
               <a:t>Demonstrates user input handling, conditional statements and structured design.</a:t>
             </a:r>
           </a:p>
           <a:p>
             <a:r>
-              <a:rPr lang="en-IN" dirty="0"/>
+              <a:rPr lang="en-IN" dirty="0">
+                <a:latin typeface="Elephant" panose="02020904090505020303" pitchFamily="18" charset="0"/>
+              </a:rPr>
               <a:t>Generates a basic e- ticket at the end.</a:t>
             </a:r>
-            <a:endParaRPr lang="en-US" dirty="0"/>
+            <a:endParaRPr lang="en-US" dirty="0">
+              <a:latin typeface="Elephant" panose="02020904090505020303" pitchFamily="18" charset="0"/>
+            </a:endParaRPr>
           </a:p>
         </p:txBody>
       </p:sp>
@@ -7998,25 +8148,24 @@
             <p:ph type="title"/>
           </p:nvPr>
         </p:nvSpPr>
-        <p:spPr/>
+        <p:spPr>
+          <a:xfrm>
+            <a:off x="1945201" y="503153"/>
+            <a:ext cx="6589199" cy="1280890"/>
+          </a:xfrm>
+        </p:spPr>
         <p:txBody>
           <a:bodyPr/>
           <a:lstStyle/>
           <a:p>
             <a:r>
-              <a:rPr dirty="0">
-                <a:latin typeface="Bahnschrift" panose="020B0502040204020203" pitchFamily="34" charset="0"/>
+              <a:rPr lang="en-US" dirty="0">
+                <a:latin typeface="Elephant" panose="02020904090505020303" pitchFamily="18" charset="0"/>
               </a:rPr>
-              <a:t>O</a:t>
-            </a:r>
-            <a:r>
-              <a:rPr lang="en-US" dirty="0">
-                <a:latin typeface="Bahnschrift" panose="020B0502040204020203" pitchFamily="34" charset="0"/>
-              </a:rPr>
-              <a:t>BJECTIVES</a:t>
+              <a:t>PROBLEM DEFINITION</a:t>
             </a:r>
             <a:endParaRPr dirty="0">
-              <a:latin typeface="Bahnschrift" panose="020B0502040204020203" pitchFamily="34" charset="0"/>
+              <a:latin typeface="Elephant" panose="02020904090505020303" pitchFamily="18" charset="0"/>
             </a:endParaRPr>
           </a:p>
         </p:txBody>
@@ -8033,54 +8182,105 @@
         </p:nvSpPr>
         <p:spPr>
           <a:xfrm>
-            <a:off x="1276007" y="1405466"/>
+            <a:off x="1276007" y="1752600"/>
             <a:ext cx="6591985" cy="3777622"/>
           </a:xfrm>
         </p:spPr>
         <p:txBody>
-          <a:bodyPr/>
+          <a:bodyPr>
+            <a:noAutofit/>
+          </a:bodyPr>
           <a:lstStyle/>
           <a:p>
-            <a:pPr marL="0" indent="0">
-              <a:buNone/>
-            </a:pPr>
-            <a:endParaRPr lang="en-US" dirty="0"/>
-          </a:p>
-          <a:p>
-            <a:r>
-              <a:rPr lang="en-US" dirty="0"/>
-              <a:t>Allow user to enter source and destination.</a:t>
-            </a:r>
-          </a:p>
-          <a:p>
-            <a:r>
-              <a:rPr lang="en-US" dirty="0"/>
-              <a:t>Enable class selection (AC1/AC2/AC3/Sleeper).</a:t>
-            </a:r>
-          </a:p>
-          <a:p>
-            <a:r>
-              <a:rPr lang="en-US" dirty="0"/>
-              <a:t>Check seat availability.</a:t>
-            </a:r>
-          </a:p>
-          <a:p>
-            <a:r>
-              <a:rPr lang="en-US" dirty="0"/>
-              <a:t>Enter passenger credentials.</a:t>
-            </a:r>
-          </a:p>
-          <a:p>
-            <a:r>
-              <a:rPr lang="en-US" dirty="0"/>
-              <a:t>Confirm Payment.</a:t>
-            </a:r>
-          </a:p>
-          <a:p>
-            <a:r>
-              <a:rPr lang="en-US" dirty="0"/>
-              <a:t>Generate E- ticket.</a:t>
-            </a:r>
+            <a:r>
+              <a:rPr lang="en-US" sz="1600" dirty="0">
+                <a:latin typeface="Elephant" panose="02020904090505020303" pitchFamily="18" charset="0"/>
+              </a:rPr>
+              <a:t>Railway booking systems are complex, but we need a basic version for learning.</a:t>
+            </a:r>
+          </a:p>
+          <a:p>
+            <a:r>
+              <a:rPr lang="en-US" sz="1600" dirty="0">
+                <a:latin typeface="Elephant" panose="02020904090505020303" pitchFamily="18" charset="0"/>
+              </a:rPr>
+              <a:t>This project solves the problem by providing a simplified, console-based reservation flow.</a:t>
+            </a:r>
+          </a:p>
+          <a:p>
+            <a:r>
+              <a:rPr lang="en-US" sz="1600" dirty="0">
+                <a:latin typeface="Elephant" panose="02020904090505020303" pitchFamily="18" charset="0"/>
+              </a:rPr>
+              <a:t>Helps us understand how real ticketing systems handle user data and decision-making.</a:t>
+            </a:r>
+          </a:p>
+          <a:p>
+            <a:r>
+              <a:rPr lang="en-US" sz="1600" dirty="0">
+                <a:latin typeface="Elephant" panose="02020904090505020303" pitchFamily="18" charset="0"/>
+              </a:rPr>
+              <a:t>SCOPE OF WORK:</a:t>
+            </a:r>
+          </a:p>
+          <a:p>
+            <a:r>
+              <a:rPr lang="en-IN" sz="1600" dirty="0">
+                <a:latin typeface="Elephant" panose="02020904090505020303" pitchFamily="18" charset="0"/>
+              </a:rPr>
+              <a:t>Single passenger ticket booking.</a:t>
+            </a:r>
+          </a:p>
+          <a:p>
+            <a:r>
+              <a:rPr lang="en-IN" sz="1600" dirty="0">
+                <a:latin typeface="Elephant" panose="02020904090505020303" pitchFamily="18" charset="0"/>
+              </a:rPr>
+              <a:t>Route selection (Source → Destination).</a:t>
+            </a:r>
+          </a:p>
+          <a:p>
+            <a:r>
+              <a:rPr lang="en-IN" sz="1600" dirty="0">
+                <a:latin typeface="Elephant" panose="02020904090505020303" pitchFamily="18" charset="0"/>
+              </a:rPr>
+              <a:t>Class selection (AC1/AC2/AC3/Sleeper).</a:t>
+            </a:r>
+          </a:p>
+          <a:p>
+            <a:r>
+              <a:rPr lang="en-IN" sz="1600" dirty="0">
+                <a:latin typeface="Elephant" panose="02020904090505020303" pitchFamily="18" charset="0"/>
+              </a:rPr>
+              <a:t>Seat availability check.</a:t>
+            </a:r>
+          </a:p>
+          <a:p>
+            <a:r>
+              <a:rPr lang="en-IN" sz="1600" dirty="0">
+                <a:latin typeface="Elephant" panose="02020904090505020303" pitchFamily="18" charset="0"/>
+              </a:rPr>
+              <a:t>Passenger details collection.</a:t>
+            </a:r>
+          </a:p>
+          <a:p>
+            <a:r>
+              <a:rPr lang="en-IN" sz="1600" dirty="0">
+                <a:latin typeface="Elephant" panose="02020904090505020303" pitchFamily="18" charset="0"/>
+              </a:rPr>
+              <a:t>Payment confirmation.</a:t>
+            </a:r>
+          </a:p>
+          <a:p>
+            <a:r>
+              <a:rPr lang="en-IN" sz="1600" dirty="0">
+                <a:latin typeface="Elephant" panose="02020904090505020303" pitchFamily="18" charset="0"/>
+              </a:rPr>
+              <a:t>E-ticket generation.</a:t>
+            </a:r>
+            <a:endParaRPr sz="1600" dirty="0">
+              <a:latin typeface="Elephant" panose="02020904090505020303" pitchFamily="18" charset="0"/>
+            </a:endParaRPr>
           </a:p>
         </p:txBody>
       </p:sp>
@@ -8126,12 +8326,12 @@
           <a:p>
             <a:r>
               <a:rPr lang="en-US" dirty="0">
-                <a:latin typeface="Bahnschrift" panose="020B0502040204020203" pitchFamily="34" charset="0"/>
+                <a:latin typeface="Elephant" panose="02020904090505020303" pitchFamily="18" charset="0"/>
               </a:rPr>
-              <a:t>PROBLEM DEFINITION</a:t>
+              <a:t>SOLUTION APPROACH</a:t>
             </a:r>
             <a:endParaRPr dirty="0">
-              <a:latin typeface="Bahnschrift" panose="020B0502040204020203" pitchFamily="34" charset="0"/>
+              <a:latin typeface="Elephant" panose="02020904090505020303" pitchFamily="18" charset="0"/>
             </a:endParaRPr>
           </a:p>
         </p:txBody>
@@ -8148,31 +8348,218 @@
         </p:nvSpPr>
         <p:spPr>
           <a:xfrm>
-            <a:off x="1276007" y="1752600"/>
+            <a:off x="1191340" y="1280744"/>
             <a:ext cx="6591985" cy="3777622"/>
           </a:xfrm>
         </p:spPr>
         <p:txBody>
-          <a:bodyPr/>
+          <a:bodyPr>
+            <a:noAutofit/>
+          </a:bodyPr>
           <a:lstStyle/>
           <a:p>
             <a:r>
-              <a:rPr lang="en-US" dirty="0"/>
-              <a:t>Railway booking systems are complex, but we need a basic version for learning.</a:t>
-            </a:r>
-          </a:p>
-          <a:p>
-            <a:r>
-              <a:rPr lang="en-US" dirty="0"/>
-              <a:t>This project solves the problem by providing a simplified, console-based reservation flow.</a:t>
-            </a:r>
-          </a:p>
-          <a:p>
-            <a:r>
-              <a:rPr lang="en-US" dirty="0"/>
-              <a:t>Helps us understand how real ticketing systems handle user data and decision-making.</a:t>
-            </a:r>
-            <a:endParaRPr dirty="0"/>
+              <a:rPr lang="en-US" sz="1200" dirty="0">
+                <a:latin typeface="Elephant" panose="02020904090505020303" pitchFamily="18" charset="0"/>
+              </a:rPr>
+              <a:t>Main Steps:</a:t>
+            </a:r>
+          </a:p>
+          <a:p>
+            <a:pPr>
+              <a:buFont typeface="Arial" panose="020B0604020202020204" pitchFamily="34" charset="0"/>
+              <a:buChar char="•"/>
+            </a:pPr>
+            <a:r>
+              <a:rPr lang="en-US" sz="1200" dirty="0">
+                <a:latin typeface="Elephant" panose="02020904090505020303" pitchFamily="18" charset="0"/>
+              </a:rPr>
+              <a:t>Accept the route inputs (To &amp; From).</a:t>
+            </a:r>
+          </a:p>
+          <a:p>
+            <a:pPr>
+              <a:buFont typeface="Arial" panose="020B0604020202020204" pitchFamily="34" charset="0"/>
+              <a:buChar char="•"/>
+            </a:pPr>
+            <a:r>
+              <a:rPr lang="en-US" sz="1200" dirty="0">
+                <a:latin typeface="Elephant" panose="02020904090505020303" pitchFamily="18" charset="0"/>
+              </a:rPr>
+              <a:t>Require user to specify travel class.</a:t>
+            </a:r>
+          </a:p>
+          <a:p>
+            <a:pPr>
+              <a:buFont typeface="Arial" panose="020B0604020202020204" pitchFamily="34" charset="0"/>
+              <a:buChar char="•"/>
+            </a:pPr>
+            <a:r>
+              <a:rPr lang="en-US" sz="1200" dirty="0">
+                <a:latin typeface="Elephant" panose="02020904090505020303" pitchFamily="18" charset="0"/>
+              </a:rPr>
+              <a:t>Check seat availability using conditions.</a:t>
+            </a:r>
+          </a:p>
+          <a:p>
+            <a:pPr>
+              <a:buFont typeface="Arial" panose="020B0604020202020204" pitchFamily="34" charset="0"/>
+              <a:buChar char="•"/>
+            </a:pPr>
+            <a:r>
+              <a:rPr lang="en-US" sz="1200" dirty="0">
+                <a:latin typeface="Elephant" panose="02020904090505020303" pitchFamily="18" charset="0"/>
+              </a:rPr>
+              <a:t>Collect your journey date and passenger information.</a:t>
+            </a:r>
+          </a:p>
+          <a:p>
+            <a:pPr>
+              <a:buFont typeface="Arial" panose="020B0604020202020204" pitchFamily="34" charset="0"/>
+              <a:buChar char="•"/>
+            </a:pPr>
+            <a:r>
+              <a:rPr lang="en-US" sz="1200" dirty="0">
+                <a:latin typeface="Elephant" panose="02020904090505020303" pitchFamily="18" charset="0"/>
+              </a:rPr>
+              <a:t>Show ticket price and request a confirmation of payment.</a:t>
+            </a:r>
+          </a:p>
+          <a:p>
+            <a:pPr>
+              <a:buFont typeface="Arial" panose="020B0604020202020204" pitchFamily="34" charset="0"/>
+              <a:buChar char="•"/>
+            </a:pPr>
+            <a:r>
+              <a:rPr lang="en-US" sz="1200" dirty="0">
+                <a:latin typeface="Elephant" panose="02020904090505020303" pitchFamily="18" charset="0"/>
+              </a:rPr>
+              <a:t>Create an e-ticket with travel details.</a:t>
+            </a:r>
+          </a:p>
+          <a:p>
+            <a:r>
+              <a:rPr lang="en-US" sz="1200" dirty="0">
+                <a:latin typeface="Elephant" panose="02020904090505020303" pitchFamily="18" charset="0"/>
+              </a:rPr>
+              <a:t>Modules / Components:</a:t>
+            </a:r>
+          </a:p>
+          <a:p>
+            <a:pPr>
+              <a:buFont typeface="Arial" panose="020B0604020202020204" pitchFamily="34" charset="0"/>
+              <a:buChar char="•"/>
+            </a:pPr>
+            <a:r>
+              <a:rPr lang="en-US" sz="1200" dirty="0">
+                <a:latin typeface="Elephant" panose="02020904090505020303" pitchFamily="18" charset="0"/>
+              </a:rPr>
+              <a:t>Input Module:</a:t>
+            </a:r>
+          </a:p>
+          <a:p>
+            <a:pPr>
+              <a:buFont typeface="Arial" panose="020B0604020202020204" pitchFamily="34" charset="0"/>
+              <a:buChar char="•"/>
+            </a:pPr>
+            <a:r>
+              <a:rPr lang="en-US" sz="1200" dirty="0">
+                <a:latin typeface="Elephant" panose="02020904090505020303" pitchFamily="18" charset="0"/>
+              </a:rPr>
+              <a:t> From-to, date, passenger details.</a:t>
+            </a:r>
+          </a:p>
+          <a:p>
+            <a:pPr>
+              <a:buFont typeface="Arial" panose="020B0604020202020204" pitchFamily="34" charset="0"/>
+              <a:buChar char="•"/>
+            </a:pPr>
+            <a:r>
+              <a:rPr lang="en-US" sz="1200" dirty="0">
+                <a:latin typeface="Elephant" panose="02020904090505020303" pitchFamily="18" charset="0"/>
+              </a:rPr>
+              <a:t>Checker: Available / Waitlist / Not available.</a:t>
+            </a:r>
+          </a:p>
+          <a:p>
+            <a:pPr>
+              <a:buFont typeface="Arial" panose="020B0604020202020204" pitchFamily="34" charset="0"/>
+              <a:buChar char="•"/>
+            </a:pPr>
+            <a:r>
+              <a:rPr lang="en-US" sz="1200" dirty="0">
+                <a:latin typeface="Elephant" panose="02020904090505020303" pitchFamily="18" charset="0"/>
+              </a:rPr>
+              <a:t>Booking Confirmation Payment Module: Book and pay for your seat now.</a:t>
+            </a:r>
+          </a:p>
+          <a:p>
+            <a:pPr>
+              <a:buFont typeface="Arial" panose="020B0604020202020204" pitchFamily="34" charset="0"/>
+              <a:buChar char="•"/>
+            </a:pPr>
+            <a:r>
+              <a:rPr lang="en-US" sz="1200" dirty="0">
+                <a:latin typeface="Elephant" panose="02020904090505020303" pitchFamily="18" charset="0"/>
+              </a:rPr>
+              <a:t>Ticket Generator: Generates formatted ticket output.</a:t>
+            </a:r>
+          </a:p>
+          <a:p>
+            <a:r>
+              <a:rPr lang="en-US" sz="1200" dirty="0">
+                <a:latin typeface="Elephant" panose="02020904090505020303" pitchFamily="18" charset="0"/>
+              </a:rPr>
+              <a:t>System / Algorithm Flow:</a:t>
+            </a:r>
+          </a:p>
+          <a:p>
+            <a:pPr>
+              <a:buFont typeface="Arial" panose="020B0604020202020204" pitchFamily="34" charset="0"/>
+              <a:buChar char="•"/>
+            </a:pPr>
+            <a:r>
+              <a:rPr lang="en-US" sz="1200" dirty="0">
+                <a:latin typeface="Elephant" panose="02020904090505020303" pitchFamily="18" charset="0"/>
+              </a:rPr>
+              <a:t>Sequential flow</a:t>
+            </a:r>
+          </a:p>
+          <a:p>
+            <a:pPr>
+              <a:buFont typeface="Arial" panose="020B0604020202020204" pitchFamily="34" charset="0"/>
+              <a:buChar char="•"/>
+            </a:pPr>
+            <a:r>
+              <a:rPr lang="en-US" sz="1200" dirty="0">
+                <a:latin typeface="Elephant" panose="02020904090505020303" pitchFamily="18" charset="0"/>
+              </a:rPr>
+              <a:t>Uses if-else decision-making.</a:t>
+            </a:r>
+          </a:p>
+          <a:p>
+            <a:pPr>
+              <a:buFont typeface="Arial" panose="020B0604020202020204" pitchFamily="34" charset="0"/>
+              <a:buChar char="•"/>
+            </a:pPr>
+            <a:r>
+              <a:rPr lang="en-US" sz="1200" dirty="0">
+                <a:latin typeface="Elephant" panose="02020904090505020303" pitchFamily="18" charset="0"/>
+              </a:rPr>
+              <a:t>Simple data storage using variables.</a:t>
+            </a:r>
+          </a:p>
+          <a:p>
+            <a:pPr>
+              <a:buFont typeface="Arial" panose="020B0604020202020204" pitchFamily="34" charset="0"/>
+              <a:buChar char="•"/>
+            </a:pPr>
+            <a:r>
+              <a:rPr lang="en-US" sz="1200" dirty="0">
+                <a:latin typeface="Elephant" panose="02020904090505020303" pitchFamily="18" charset="0"/>
+              </a:rPr>
+              <a:t>Terminal-based output</a:t>
+            </a:r>
           </a:p>
         </p:txBody>
       </p:sp>
@@ -8203,7 +8590,13 @@
       </p:grpSpPr>
       <p:sp>
         <p:nvSpPr>
-          <p:cNvPr id="2" name="Title 1"/>
+          <p:cNvPr id="2" name="Title 1">
+            <a:extLst>
+              <a:ext uri="{FF2B5EF4-FFF2-40B4-BE49-F238E27FC236}">
+                <a16:creationId xmlns:a16="http://schemas.microsoft.com/office/drawing/2014/main" id="{C4187BEC-873F-0161-34E8-6A48B8AED63B}"/>
+              </a:ext>
+            </a:extLst>
+          </p:cNvPr>
           <p:cNvSpPr>
             <a:spLocks noGrp="1"/>
           </p:cNvSpPr>
@@ -8211,26 +8604,37 @@
             <p:ph type="title"/>
           </p:nvPr>
         </p:nvSpPr>
-        <p:spPr/>
+        <p:spPr>
+          <a:xfrm>
+            <a:off x="1945201" y="495323"/>
+            <a:ext cx="6589199" cy="1280890"/>
+          </a:xfrm>
+        </p:spPr>
         <p:txBody>
           <a:bodyPr/>
           <a:lstStyle/>
           <a:p>
             <a:r>
               <a:rPr lang="en-US" dirty="0">
-                <a:latin typeface="Bahnschrift" panose="020B0502040204020203" pitchFamily="34" charset="0"/>
+                <a:latin typeface="Elephant" panose="02020904090505020303" pitchFamily="18" charset="0"/>
               </a:rPr>
-              <a:t>IMPLIMENTATION</a:t>
-            </a:r>
-            <a:endParaRPr dirty="0">
-              <a:latin typeface="Bahnschrift" panose="020B0502040204020203" pitchFamily="34" charset="0"/>
+              <a:t>CODE DEMONSTRATION</a:t>
+            </a:r>
+            <a:endParaRPr lang="en-IN" dirty="0">
+              <a:latin typeface="Elephant" panose="02020904090505020303" pitchFamily="18" charset="0"/>
             </a:endParaRPr>
           </a:p>
         </p:txBody>
       </p:sp>
       <p:sp>
         <p:nvSpPr>
-          <p:cNvPr id="3" name="Content Placeholder 2"/>
+          <p:cNvPr id="3" name="Content Placeholder 2">
+            <a:extLst>
+              <a:ext uri="{FF2B5EF4-FFF2-40B4-BE49-F238E27FC236}">
+                <a16:creationId xmlns:a16="http://schemas.microsoft.com/office/drawing/2014/main" id="{F62B539A-F733-6356-49D2-F8CDC2E68504}"/>
+              </a:ext>
+            </a:extLst>
+          </p:cNvPr>
           <p:cNvSpPr>
             <a:spLocks noGrp="1"/>
           </p:cNvSpPr>
@@ -8240,7 +8644,7 @@
         </p:nvSpPr>
         <p:spPr>
           <a:xfrm>
-            <a:off x="1276007" y="1641789"/>
+            <a:off x="1276007" y="1540189"/>
             <a:ext cx="6591985" cy="3777622"/>
           </a:xfrm>
         </p:spPr>
@@ -8249,39 +8653,113 @@
           <a:lstStyle/>
           <a:p>
             <a:r>
-              <a:rPr dirty="0"/>
-              <a:t>Written in</a:t>
-            </a:r>
-            <a:r>
-              <a:rPr lang="en-US" dirty="0"/>
-              <a:t> C</a:t>
-            </a:r>
-          </a:p>
-          <a:p>
-            <a:r>
-              <a:rPr lang="en-US" dirty="0"/>
-              <a:t>Compiler: GCC</a:t>
-            </a:r>
-          </a:p>
-          <a:p>
-            <a:r>
-              <a:rPr lang="en-US" dirty="0"/>
-              <a:t>Variables store routes, passenger date, date etc.</a:t>
-            </a:r>
-          </a:p>
-          <a:p>
-            <a:r>
-              <a:rPr lang="en-US" dirty="0"/>
-              <a:t>Key concepts: if-else, string handling, basic printing.</a:t>
-            </a:r>
-            <a:br>
-              <a:rPr lang="en-US" dirty="0"/>
-            </a:br>
-            <a:endParaRPr lang="en-US" dirty="0"/>
-          </a:p>
-        </p:txBody>
-      </p:sp>
+              <a:rPr lang="en-US" dirty="0">
+                <a:latin typeface="Elephant" panose="02020904090505020303" pitchFamily="18" charset="0"/>
+              </a:rPr>
+              <a:t>Seat availability and passenger input:</a:t>
+            </a:r>
+          </a:p>
+          <a:p>
+            <a:endParaRPr lang="en-IN" dirty="0"/>
+          </a:p>
+          <a:p>
+            <a:endParaRPr lang="en-IN" dirty="0"/>
+          </a:p>
+          <a:p>
+            <a:endParaRPr lang="en-IN" dirty="0"/>
+          </a:p>
+          <a:p>
+            <a:endParaRPr lang="en-IN" dirty="0"/>
+          </a:p>
+          <a:p>
+            <a:endParaRPr lang="en-IN" dirty="0"/>
+          </a:p>
+          <a:p>
+            <a:endParaRPr lang="en-IN" dirty="0"/>
+          </a:p>
+          <a:p>
+            <a:pPr>
+              <a:buFont typeface="Wingdings" panose="05000000000000000000" pitchFamily="2" charset="2"/>
+              <a:buChar char="q"/>
+            </a:pPr>
+            <a:r>
+              <a:rPr lang="en-IN" dirty="0">
+                <a:latin typeface="Elephant" panose="02020904090505020303" pitchFamily="18" charset="0"/>
+              </a:rPr>
+              <a:t>Ticket Generation:</a:t>
+            </a:r>
+          </a:p>
+          <a:p>
+            <a:endParaRPr lang="en-IN" dirty="0"/>
+          </a:p>
+        </p:txBody>
+      </p:sp>
+      <p:pic>
+        <p:nvPicPr>
+          <p:cNvPr id="5" name="Picture 4" descr="A screen shot of a computer&#10;&#10;AI-generated content may be incorrect.">
+            <a:extLst>
+              <a:ext uri="{FF2B5EF4-FFF2-40B4-BE49-F238E27FC236}">
+                <a16:creationId xmlns:a16="http://schemas.microsoft.com/office/drawing/2014/main" id="{2D24591E-9C2E-3782-6CE6-C16393C16763}"/>
+              </a:ext>
+            </a:extLst>
+          </p:cNvPr>
+          <p:cNvPicPr>
+            <a:picLocks noChangeAspect="1"/>
+          </p:cNvPicPr>
+          <p:nvPr/>
+        </p:nvPicPr>
+        <p:blipFill>
+          <a:blip r:embed="rId2"/>
+          <a:stretch>
+            <a:fillRect/>
+          </a:stretch>
+        </p:blipFill>
+        <p:spPr>
+          <a:xfrm>
+            <a:off x="685800" y="2012237"/>
+            <a:ext cx="7679267" cy="2376328"/>
+          </a:xfrm>
+          <a:prstGeom prst="rect">
+            <a:avLst/>
+          </a:prstGeom>
+        </p:spPr>
+      </p:pic>
+      <p:pic>
+        <p:nvPicPr>
+          <p:cNvPr id="7" name="Picture 6" descr="A screen shot of a computer code&#10;&#10;AI-generated content may be incorrect.">
+            <a:extLst>
+              <a:ext uri="{FF2B5EF4-FFF2-40B4-BE49-F238E27FC236}">
+                <a16:creationId xmlns:a16="http://schemas.microsoft.com/office/drawing/2014/main" id="{75384FBA-8C66-8E7C-39F8-6954AC683362}"/>
+              </a:ext>
+            </a:extLst>
+          </p:cNvPr>
+          <p:cNvPicPr>
+            <a:picLocks noChangeAspect="1"/>
+          </p:cNvPicPr>
+          <p:nvPr/>
+        </p:nvPicPr>
+        <p:blipFill>
+          <a:blip r:embed="rId3"/>
+          <a:stretch>
+            <a:fillRect/>
+          </a:stretch>
+        </p:blipFill>
+        <p:spPr>
+          <a:xfrm>
+            <a:off x="722810" y="4747409"/>
+            <a:ext cx="7811590" cy="2019582"/>
+          </a:xfrm>
+          <a:prstGeom prst="rect">
+            <a:avLst/>
+          </a:prstGeom>
+        </p:spPr>
+      </p:pic>
     </p:spTree>
+    <p:extLst>
+      <p:ext uri="{BB962C8B-B14F-4D97-AF65-F5344CB8AC3E}">
+        <p14:creationId xmlns:p14="http://schemas.microsoft.com/office/powerpoint/2010/main" val="250015963"/>
+      </p:ext>
+    </p:extLst>
   </p:cSld>
   <p:clrMapOvr>
     <a:masterClrMapping/>
@@ -8308,7 +8786,13 @@
       </p:grpSpPr>
       <p:sp>
         <p:nvSpPr>
-          <p:cNvPr id="2" name="Title 1"/>
+          <p:cNvPr id="2" name="Title 1">
+            <a:extLst>
+              <a:ext uri="{FF2B5EF4-FFF2-40B4-BE49-F238E27FC236}">
+                <a16:creationId xmlns:a16="http://schemas.microsoft.com/office/drawing/2014/main" id="{3B08BADE-A4D2-39F5-9992-3543C0D1410D}"/>
+              </a:ext>
+            </a:extLst>
+          </p:cNvPr>
           <p:cNvSpPr>
             <a:spLocks noGrp="1"/>
           </p:cNvSpPr>
@@ -8321,27 +8805,19 @@
           <a:bodyPr/>
           <a:lstStyle/>
           <a:p>
-            <a:r>
-              <a:rPr dirty="0">
-                <a:latin typeface="Bahnschrift" panose="020B0502040204020203" pitchFamily="34" charset="0"/>
-              </a:rPr>
-              <a:t>C</a:t>
-            </a:r>
-            <a:r>
-              <a:rPr lang="en-US" dirty="0">
-                <a:latin typeface="Bahnschrift" panose="020B0502040204020203" pitchFamily="34" charset="0"/>
-              </a:rPr>
-              <a:t>ONCLUSION</a:t>
-            </a:r>
-            <a:endParaRPr dirty="0">
-              <a:latin typeface="Bahnschrift" panose="020B0502040204020203" pitchFamily="34" charset="0"/>
-            </a:endParaRPr>
-          </a:p>
-        </p:txBody>
-      </p:sp>
-      <p:sp>
-        <p:nvSpPr>
-          <p:cNvPr id="3" name="Content Placeholder 2"/>
+            <a:endParaRPr lang="en-IN" dirty="0"/>
+          </a:p>
+        </p:txBody>
+      </p:sp>
+      <p:sp>
+        <p:nvSpPr>
+          <p:cNvPr id="3" name="Content Placeholder 2">
+            <a:extLst>
+              <a:ext uri="{FF2B5EF4-FFF2-40B4-BE49-F238E27FC236}">
+                <a16:creationId xmlns:a16="http://schemas.microsoft.com/office/drawing/2014/main" id="{8BEF7C91-B766-A2E7-91B7-1EE62BCC3CB6}"/>
+              </a:ext>
+            </a:extLst>
+          </p:cNvPr>
           <p:cNvSpPr>
             <a:spLocks noGrp="1"/>
           </p:cNvSpPr>
@@ -8351,35 +8827,130 @@
         </p:nvSpPr>
         <p:spPr>
           <a:xfrm>
-            <a:off x="1276007" y="1905000"/>
+            <a:off x="1216740" y="1540189"/>
             <a:ext cx="6591985" cy="3777622"/>
           </a:xfrm>
         </p:spPr>
         <p:txBody>
-          <a:bodyPr/>
+          <a:bodyPr>
+            <a:normAutofit fontScale="25000" lnSpcReduction="20000"/>
+          </a:bodyPr>
           <a:lstStyle/>
           <a:p>
             <a:r>
-              <a:rPr lang="en-US" dirty="0"/>
-              <a:t>Successfully stimulates a simple train booking system.</a:t>
-            </a:r>
-          </a:p>
-          <a:p>
-            <a:r>
-              <a:rPr lang="en-US" dirty="0"/>
-              <a:t>Demonstrates practical uses of C fundamentals.</a:t>
-            </a:r>
-          </a:p>
-          <a:p>
-            <a:r>
-              <a:rPr lang="en-US" dirty="0"/>
-              <a:t>User-friendly and interactive.</a:t>
-            </a:r>
-            <a:endParaRPr dirty="0"/>
+              <a:rPr lang="en-US" sz="7200" dirty="0">
+                <a:latin typeface="Elephant" panose="02020904090505020303" pitchFamily="18" charset="0"/>
+              </a:rPr>
+              <a:t>Demonstration (Input → Output):</a:t>
+            </a:r>
+          </a:p>
+          <a:p>
+            <a:r>
+              <a:rPr lang="en-US" sz="7200" dirty="0">
+                <a:latin typeface="Elephant" panose="02020904090505020303" pitchFamily="18" charset="0"/>
+              </a:rPr>
+              <a:t>INPUT:</a:t>
+            </a:r>
+          </a:p>
+          <a:p>
+            <a:r>
+              <a:rPr lang="en-US" sz="7200" dirty="0">
+                <a:latin typeface="Elephant" panose="02020904090505020303" pitchFamily="18" charset="0"/>
+              </a:rPr>
+              <a:t>To: Mumbai</a:t>
+            </a:r>
+          </a:p>
+          <a:p>
+            <a:r>
+              <a:rPr lang="en-US" sz="7200" dirty="0">
+                <a:latin typeface="Elephant" panose="02020904090505020303" pitchFamily="18" charset="0"/>
+              </a:rPr>
+              <a:t>From: Delhi</a:t>
+            </a:r>
+          </a:p>
+          <a:p>
+            <a:r>
+              <a:rPr lang="en-US" sz="7200" dirty="0">
+                <a:latin typeface="Elephant" panose="02020904090505020303" pitchFamily="18" charset="0"/>
+              </a:rPr>
+              <a:t>Class: AC3</a:t>
+            </a:r>
+          </a:p>
+          <a:p>
+            <a:r>
+              <a:rPr lang="en-US" sz="7200" dirty="0">
+                <a:latin typeface="Elephant" panose="02020904090505020303" pitchFamily="18" charset="0"/>
+              </a:rPr>
+              <a:t>Journey Date: 22/12/2025</a:t>
+            </a:r>
+          </a:p>
+          <a:p>
+            <a:r>
+              <a:rPr lang="en-US" sz="7200" dirty="0">
+                <a:latin typeface="Elephant" panose="02020904090505020303" pitchFamily="18" charset="0"/>
+              </a:rPr>
+              <a:t>Passenger: Sarah</a:t>
+            </a:r>
+          </a:p>
+          <a:p>
+            <a:r>
+              <a:rPr lang="en-US" sz="7200" dirty="0">
+                <a:latin typeface="Elephant" panose="02020904090505020303" pitchFamily="18" charset="0"/>
+              </a:rPr>
+              <a:t>Payment: Yes</a:t>
+            </a:r>
+          </a:p>
+          <a:p>
+            <a:r>
+              <a:rPr lang="en-US" sz="7200" dirty="0">
+                <a:latin typeface="Elephant" panose="02020904090505020303" pitchFamily="18" charset="0"/>
+              </a:rPr>
+              <a:t>OUTPUT:</a:t>
+            </a:r>
+          </a:p>
+          <a:p>
+            <a:r>
+              <a:rPr lang="en-US" sz="7200" dirty="0">
+                <a:latin typeface="Elephant" panose="02020904090505020303" pitchFamily="18" charset="0"/>
+              </a:rPr>
+              <a:t>Ticket Available</a:t>
+            </a:r>
+          </a:p>
+          <a:p>
+            <a:r>
+              <a:rPr lang="en-US" sz="7200" dirty="0">
+                <a:latin typeface="Elephant" panose="02020904090505020303" pitchFamily="18" charset="0"/>
+              </a:rPr>
+              <a:t>Booking Confirmed</a:t>
+            </a:r>
+          </a:p>
+          <a:p>
+            <a:r>
+              <a:rPr lang="en-US" sz="7200" dirty="0">
+                <a:latin typeface="Elephant" panose="02020904090505020303" pitchFamily="18" charset="0"/>
+              </a:rPr>
+              <a:t>Payment Successful</a:t>
+            </a:r>
+          </a:p>
+          <a:p>
+            <a:r>
+              <a:rPr lang="en-US" sz="7200" dirty="0">
+                <a:latin typeface="Elephant" panose="02020904090505020303" pitchFamily="18" charset="0"/>
+              </a:rPr>
+              <a:t>E-Ticket Generated</a:t>
+            </a:r>
+          </a:p>
+          <a:p>
+            <a:endParaRPr lang="en-IN" dirty="0"/>
           </a:p>
         </p:txBody>
       </p:sp>
     </p:spTree>
+    <p:extLst>
+      <p:ext uri="{BB962C8B-B14F-4D97-AF65-F5344CB8AC3E}">
+        <p14:creationId xmlns:p14="http://schemas.microsoft.com/office/powerpoint/2010/main" val="359777841"/>
+      </p:ext>
+    </p:extLst>
   </p:cSld>
   <p:clrMapOvr>
     <a:masterClrMapping/>
@@ -8406,7 +8977,13 @@
       </p:grpSpPr>
       <p:sp>
         <p:nvSpPr>
-          <p:cNvPr id="2" name="Title 1"/>
+          <p:cNvPr id="2" name="Title 1">
+            <a:extLst>
+              <a:ext uri="{FF2B5EF4-FFF2-40B4-BE49-F238E27FC236}">
+                <a16:creationId xmlns:a16="http://schemas.microsoft.com/office/drawing/2014/main" id="{707F0CF1-450D-A576-342B-F243ABCC845C}"/>
+              </a:ext>
+            </a:extLst>
+          </p:cNvPr>
           <p:cNvSpPr>
             <a:spLocks noGrp="1"/>
           </p:cNvSpPr>
@@ -8420,26 +8997,26 @@
           <a:lstStyle/>
           <a:p>
             <a:r>
-              <a:rPr dirty="0">
-                <a:latin typeface="Bahnschrift" panose="020B0502040204020203" pitchFamily="34" charset="0"/>
+              <a:rPr lang="en-US" dirty="0">
+                <a:latin typeface="Elephant" panose="02020904090505020303" pitchFamily="18" charset="0"/>
               </a:rPr>
-              <a:t>T</a:t>
-            </a:r>
-            <a:r>
-              <a:rPr lang="en-US" dirty="0">
-                <a:latin typeface="Bahnschrift" panose="020B0502040204020203" pitchFamily="34" charset="0"/>
-              </a:rPr>
-              <a:t>HANK YOU!!!</a:t>
-            </a:r>
-            <a:endParaRPr dirty="0">
-              <a:latin typeface="Bahnschrift" panose="020B0502040204020203" pitchFamily="34" charset="0"/>
+              <a:t>NOVELITIES</a:t>
+            </a:r>
+            <a:endParaRPr lang="en-IN" dirty="0">
+              <a:latin typeface="Elephant" panose="02020904090505020303" pitchFamily="18" charset="0"/>
             </a:endParaRPr>
           </a:p>
         </p:txBody>
       </p:sp>
       <p:sp>
         <p:nvSpPr>
-          <p:cNvPr id="3" name="Content Placeholder 2"/>
+          <p:cNvPr id="3" name="Content Placeholder 2">
+            <a:extLst>
+              <a:ext uri="{FF2B5EF4-FFF2-40B4-BE49-F238E27FC236}">
+                <a16:creationId xmlns:a16="http://schemas.microsoft.com/office/drawing/2014/main" id="{75A1DE19-1FFF-C6BC-BB3D-7E10F93725A9}"/>
+              </a:ext>
+            </a:extLst>
+          </p:cNvPr>
           <p:cNvSpPr>
             <a:spLocks noGrp="1"/>
           </p:cNvSpPr>
@@ -8454,11 +9031,336 @@
           </a:xfrm>
         </p:spPr>
         <p:txBody>
+          <a:bodyPr>
+            <a:normAutofit fontScale="92500" lnSpcReduction="20000"/>
+          </a:bodyPr>
+          <a:lstStyle/>
+          <a:p>
+            <a:r>
+              <a:rPr lang="en-US" dirty="0">
+                <a:latin typeface="Elephant" panose="02020904090505020303" pitchFamily="18" charset="0"/>
+              </a:rPr>
+              <a:t>What is Unique or Innovative?</a:t>
+            </a:r>
+          </a:p>
+          <a:p>
+            <a:r>
+              <a:rPr lang="en-US" dirty="0">
+                <a:latin typeface="Elephant" panose="02020904090505020303" pitchFamily="18" charset="0"/>
+              </a:rPr>
+              <a:t>Simpler model of large railway networks written from the scratch in C basics.</a:t>
+            </a:r>
+          </a:p>
+          <a:p>
+            <a:r>
+              <a:rPr lang="en-US" dirty="0">
+                <a:latin typeface="Elephant" panose="02020904090505020303" pitchFamily="18" charset="0"/>
+              </a:rPr>
+              <a:t>No libs or DBs needed—great for learning basic logic.</a:t>
+            </a:r>
+          </a:p>
+          <a:p>
+            <a:r>
+              <a:rPr lang="en-US" dirty="0">
+                <a:latin typeface="Elephant" panose="02020904090505020303" pitchFamily="18" charset="0"/>
+              </a:rPr>
+              <a:t>A console interaction only simulation of that booking you have always dreamed of making.</a:t>
+            </a:r>
+          </a:p>
+          <a:p>
+            <a:r>
+              <a:rPr lang="en-US" dirty="0">
+                <a:latin typeface="Elephant" panose="02020904090505020303" pitchFamily="18" charset="0"/>
+              </a:rPr>
+              <a:t>Design Improvements / Good Choices:</a:t>
+            </a:r>
+          </a:p>
+          <a:p>
+            <a:r>
+              <a:rPr lang="en-US" dirty="0">
+                <a:latin typeface="Elephant" panose="02020904090505020303" pitchFamily="18" charset="0"/>
+              </a:rPr>
+              <a:t>Clear decision-based flow using conditions.</a:t>
+            </a:r>
+          </a:p>
+          <a:p>
+            <a:r>
+              <a:rPr lang="en-US" dirty="0">
+                <a:latin typeface="Elephant" panose="02020904090505020303" pitchFamily="18" charset="0"/>
+              </a:rPr>
+              <a:t>User-friendly prompts and structured outputs.</a:t>
+            </a:r>
+          </a:p>
+          <a:p>
+            <a:r>
+              <a:rPr lang="en-US" dirty="0">
+                <a:latin typeface="Elephant" panose="02020904090505020303" pitchFamily="18" charset="0"/>
+              </a:rPr>
+              <a:t>Modular control system input → check → confirm → foster.</a:t>
+            </a:r>
+          </a:p>
+          <a:p>
+            <a:r>
+              <a:rPr lang="en-US" dirty="0">
+                <a:latin typeface="Elephant" panose="02020904090505020303" pitchFamily="18" charset="0"/>
+              </a:rPr>
+              <a:t>Clean e-ticket formatting for readability.</a:t>
+            </a:r>
+          </a:p>
+          <a:p>
+            <a:endParaRPr lang="en-IN" dirty="0"/>
+          </a:p>
+        </p:txBody>
+      </p:sp>
+    </p:spTree>
+    <p:extLst>
+      <p:ext uri="{BB962C8B-B14F-4D97-AF65-F5344CB8AC3E}">
+        <p14:creationId xmlns:p14="http://schemas.microsoft.com/office/powerpoint/2010/main" val="1843475853"/>
+      </p:ext>
+    </p:extLst>
+  </p:cSld>
+  <p:clrMapOvr>
+    <a:masterClrMapping/>
+  </p:clrMapOvr>
+</p:sld>
+</file>
+
+<file path=ppt/slides/slide8.xml><?xml version="1.0" encoding="utf-8"?>
+<p:sld xmlns:a="http://schemas.openxmlformats.org/drawingml/2006/main" xmlns:r="http://schemas.openxmlformats.org/officeDocument/2006/relationships" xmlns:p="http://schemas.openxmlformats.org/presentationml/2006/main">
+  <p:cSld>
+    <p:spTree>
+      <p:nvGrpSpPr>
+        <p:cNvPr id="1" name=""/>
+        <p:cNvGrpSpPr/>
+        <p:nvPr/>
+      </p:nvGrpSpPr>
+      <p:grpSpPr>
+        <a:xfrm>
+          <a:off x="0" y="0"/>
+          <a:ext cx="0" cy="0"/>
+          <a:chOff x="0" y="0"/>
+          <a:chExt cx="0" cy="0"/>
+        </a:xfrm>
+      </p:grpSpPr>
+      <p:sp>
+        <p:nvSpPr>
+          <p:cNvPr id="2" name="Title 1"/>
+          <p:cNvSpPr>
+            <a:spLocks noGrp="1"/>
+          </p:cNvSpPr>
+          <p:nvPr>
+            <p:ph type="title"/>
+          </p:nvPr>
+        </p:nvSpPr>
+        <p:spPr/>
+        <p:txBody>
           <a:bodyPr/>
           <a:lstStyle/>
           <a:p>
             <a:r>
-              <a:rPr dirty="0"/>
+              <a:rPr dirty="0">
+                <a:latin typeface="Elephant" panose="02020904090505020303" pitchFamily="18" charset="0"/>
+              </a:rPr>
+              <a:t>C</a:t>
+            </a:r>
+            <a:r>
+              <a:rPr lang="en-US" dirty="0">
+                <a:latin typeface="Elephant" panose="02020904090505020303" pitchFamily="18" charset="0"/>
+              </a:rPr>
+              <a:t>ONCLUSION</a:t>
+            </a:r>
+            <a:endParaRPr dirty="0">
+              <a:latin typeface="Elephant" panose="02020904090505020303" pitchFamily="18" charset="0"/>
+            </a:endParaRPr>
+          </a:p>
+        </p:txBody>
+      </p:sp>
+      <p:sp>
+        <p:nvSpPr>
+          <p:cNvPr id="3" name="Content Placeholder 2"/>
+          <p:cNvSpPr>
+            <a:spLocks noGrp="1"/>
+          </p:cNvSpPr>
+          <p:nvPr>
+            <p:ph idx="1"/>
+          </p:nvPr>
+        </p:nvSpPr>
+        <p:spPr>
+          <a:xfrm>
+            <a:off x="1276007" y="1905000"/>
+            <a:ext cx="6591985" cy="3777622"/>
+          </a:xfrm>
+        </p:spPr>
+        <p:txBody>
+          <a:bodyPr/>
+          <a:lstStyle/>
+          <a:p>
+            <a:r>
+              <a:rPr lang="en-US" dirty="0">
+                <a:latin typeface="Elephant" panose="02020904090505020303" pitchFamily="18" charset="0"/>
+              </a:rPr>
+              <a:t>Successfully stimulates a simple train booking system.</a:t>
+            </a:r>
+          </a:p>
+          <a:p>
+            <a:r>
+              <a:rPr lang="en-US" dirty="0">
+                <a:latin typeface="Elephant" panose="02020904090505020303" pitchFamily="18" charset="0"/>
+              </a:rPr>
+              <a:t>Demonstrates practical uses of C fundamentals.</a:t>
+            </a:r>
+          </a:p>
+          <a:p>
+            <a:r>
+              <a:rPr lang="en-US" dirty="0">
+                <a:latin typeface="Elephant" panose="02020904090505020303" pitchFamily="18" charset="0"/>
+              </a:rPr>
+              <a:t>User-friendly and interactive.</a:t>
+            </a:r>
+          </a:p>
+          <a:p>
+            <a:endParaRPr lang="en-US" dirty="0">
+              <a:latin typeface="Elephant" panose="02020904090505020303" pitchFamily="18" charset="0"/>
+            </a:endParaRPr>
+          </a:p>
+          <a:p>
+            <a:pPr marL="0" indent="0" algn="ctr">
+              <a:buNone/>
+            </a:pPr>
+            <a:r>
+              <a:rPr lang="en-US" sz="2400" b="1" dirty="0">
+                <a:latin typeface="Elephant" panose="02020904090505020303" pitchFamily="18" charset="0"/>
+              </a:rPr>
+              <a:t>REFERNCES</a:t>
+            </a:r>
+            <a:r>
+              <a:rPr lang="en-US" dirty="0"/>
+              <a:t>:</a:t>
+            </a:r>
+          </a:p>
+          <a:p>
+            <a:pPr>
+              <a:buFont typeface="Wingdings" panose="05000000000000000000" pitchFamily="2" charset="2"/>
+              <a:buChar char="q"/>
+            </a:pPr>
+            <a:r>
+              <a:rPr lang="en-US" dirty="0">
+                <a:latin typeface="Elephant" panose="02020904090505020303" pitchFamily="18" charset="0"/>
+              </a:rPr>
+              <a:t>Let Us C — </a:t>
+            </a:r>
+            <a:r>
+              <a:rPr lang="en-US" dirty="0" err="1">
+                <a:latin typeface="Elephant" panose="02020904090505020303" pitchFamily="18" charset="0"/>
+              </a:rPr>
+              <a:t>Yashavant</a:t>
+            </a:r>
+            <a:r>
+              <a:rPr lang="en-US" dirty="0">
+                <a:latin typeface="Elephant" panose="02020904090505020303" pitchFamily="18" charset="0"/>
+              </a:rPr>
+              <a:t> Kanetkar </a:t>
+            </a:r>
+          </a:p>
+          <a:p>
+            <a:pPr>
+              <a:buFont typeface="Wingdings" panose="05000000000000000000" pitchFamily="2" charset="2"/>
+              <a:buChar char="q"/>
+            </a:pPr>
+            <a:r>
+              <a:rPr lang="en-US" dirty="0">
+                <a:latin typeface="Elephant" panose="02020904090505020303" pitchFamily="18" charset="0"/>
+              </a:rPr>
+              <a:t>Railway Reservation System examples and tutorials</a:t>
+            </a:r>
+            <a:endParaRPr dirty="0">
+              <a:latin typeface="Elephant" panose="02020904090505020303" pitchFamily="18" charset="0"/>
+            </a:endParaRPr>
+          </a:p>
+        </p:txBody>
+      </p:sp>
+    </p:spTree>
+  </p:cSld>
+  <p:clrMapOvr>
+    <a:masterClrMapping/>
+  </p:clrMapOvr>
+</p:sld>
+</file>
+
+<file path=ppt/slides/slide9.xml><?xml version="1.0" encoding="utf-8"?>
+<p:sld xmlns:a="http://schemas.openxmlformats.org/drawingml/2006/main" xmlns:r="http://schemas.openxmlformats.org/officeDocument/2006/relationships" xmlns:p="http://schemas.openxmlformats.org/presentationml/2006/main">
+  <p:cSld>
+    <p:spTree>
+      <p:nvGrpSpPr>
+        <p:cNvPr id="1" name=""/>
+        <p:cNvGrpSpPr/>
+        <p:nvPr/>
+      </p:nvGrpSpPr>
+      <p:grpSpPr>
+        <a:xfrm>
+          <a:off x="0" y="0"/>
+          <a:ext cx="0" cy="0"/>
+          <a:chOff x="0" y="0"/>
+          <a:chExt cx="0" cy="0"/>
+        </a:xfrm>
+      </p:grpSpPr>
+      <p:sp>
+        <p:nvSpPr>
+          <p:cNvPr id="2" name="Title 1"/>
+          <p:cNvSpPr>
+            <a:spLocks noGrp="1"/>
+          </p:cNvSpPr>
+          <p:nvPr>
+            <p:ph type="title"/>
+          </p:nvPr>
+        </p:nvSpPr>
+        <p:spPr/>
+        <p:txBody>
+          <a:bodyPr/>
+          <a:lstStyle/>
+          <a:p>
+            <a:r>
+              <a:rPr dirty="0">
+                <a:latin typeface="Elephant" panose="02020904090505020303" pitchFamily="18" charset="0"/>
+              </a:rPr>
+              <a:t>T</a:t>
+            </a:r>
+            <a:r>
+              <a:rPr lang="en-US" dirty="0">
+                <a:latin typeface="Elephant" panose="02020904090505020303" pitchFamily="18" charset="0"/>
+              </a:rPr>
+              <a:t>HANK YOU!!!</a:t>
+            </a:r>
+            <a:endParaRPr dirty="0">
+              <a:latin typeface="Elephant" panose="02020904090505020303" pitchFamily="18" charset="0"/>
+            </a:endParaRPr>
+          </a:p>
+        </p:txBody>
+      </p:sp>
+      <p:sp>
+        <p:nvSpPr>
+          <p:cNvPr id="3" name="Content Placeholder 2"/>
+          <p:cNvSpPr>
+            <a:spLocks noGrp="1"/>
+          </p:cNvSpPr>
+          <p:nvPr>
+            <p:ph idx="1"/>
+          </p:nvPr>
+        </p:nvSpPr>
+        <p:spPr>
+          <a:xfrm>
+            <a:off x="1276007" y="1905000"/>
+            <a:ext cx="6591985" cy="3777622"/>
+          </a:xfrm>
+        </p:spPr>
+        <p:txBody>
+          <a:bodyPr/>
+          <a:lstStyle/>
+          <a:p>
+            <a:r>
+              <a:rPr dirty="0">
+                <a:latin typeface="Elephant" panose="02020904090505020303" pitchFamily="18" charset="0"/>
+              </a:rPr>
               <a:t>Any Questions?</a:t>
             </a:r>
           </a:p>
